--- a/Task2/My_report_on_zero.webappsecurity.com.pptx
+++ b/Task2/My_report_on_zero.webappsecurity.com.pptx
@@ -11,6 +11,7 @@
     <p:sldId id="259" r:id="rId6"/>
     <p:sldId id="260" r:id="rId7"/>
     <p:sldId id="261" r:id="rId8"/>
+    <p:sldId id="262" r:id="rId9"/>
   </p:sldIdLst>
   <p:sldSz cx="10080625" cy="5670550"/>
   <p:notesSz cx="7559675" cy="10691813"/>
@@ -42,10 +43,10 @@
         </p:nvGrpSpPr>
         <p:grpSpPr>
           <a:xfrm>
-            <a:off x="359640" y="36000"/>
-            <a:ext cx="1080000" cy="5795640"/>
-            <a:chOff x="359640" y="36000"/>
-            <a:chExt cx="1080000" cy="5795640"/>
+            <a:off x="359280" y="36000"/>
+            <a:ext cx="1080360" cy="5795640"/>
+            <a:chOff x="359280" y="36000"/>
+            <a:chExt cx="1080360" cy="5795640"/>
           </a:xfrm>
         </p:grpSpPr>
         <p:cxnSp>
@@ -59,8 +60,8 @@
           </p:nvCxnSpPr>
           <p:spPr>
             <a:xfrm>
-              <a:off x="625680" y="126000"/>
-              <a:ext cx="548640" cy="360"/>
+              <a:off x="625320" y="125640"/>
+              <a:ext cx="549000" cy="360"/>
             </a:xfrm>
             <a:prstGeom prst="bentConnector2">
               <a:avLst/>
@@ -84,8 +85,8 @@
           </p:nvCxnSpPr>
           <p:spPr>
             <a:xfrm>
-              <a:off x="539640" y="342000"/>
-              <a:ext cx="720720" cy="360"/>
+              <a:off x="539280" y="341640"/>
+              <a:ext cx="721080" cy="360"/>
             </a:xfrm>
             <a:prstGeom prst="bentConnector2">
               <a:avLst/>
@@ -109,8 +110,8 @@
           </p:nvCxnSpPr>
           <p:spPr>
             <a:xfrm>
-              <a:off x="625680" y="558000"/>
-              <a:ext cx="548640" cy="360"/>
+              <a:off x="625320" y="557640"/>
+              <a:ext cx="549000" cy="360"/>
             </a:xfrm>
             <a:prstGeom prst="bentConnector2">
               <a:avLst/>
@@ -134,8 +135,8 @@
           </p:nvCxnSpPr>
           <p:spPr>
             <a:xfrm>
-              <a:off x="850680" y="774000"/>
-              <a:ext cx="98640" cy="360"/>
+              <a:off x="850320" y="773640"/>
+              <a:ext cx="99000" cy="360"/>
             </a:xfrm>
             <a:prstGeom prst="bentConnector2">
               <a:avLst/>
@@ -159,8 +160,8 @@
           </p:nvCxnSpPr>
           <p:spPr>
             <a:xfrm>
-              <a:off x="850680" y="990000"/>
-              <a:ext cx="98640" cy="360"/>
+              <a:off x="850320" y="989640"/>
+              <a:ext cx="99000" cy="360"/>
             </a:xfrm>
             <a:prstGeom prst="bentConnector2">
               <a:avLst/>
@@ -183,15 +184,15 @@
             <p:nvPr/>
           </p:nvCxnSpPr>
           <p:spPr>
-            <a:xfrm>
-              <a:off x="625320" y="1206000"/>
-              <a:ext cx="548640" cy="360"/>
+            <a:xfrm rot="10800000">
+              <a:off x="624600" y="1205640"/>
+              <a:ext cx="549000" cy="360"/>
             </a:xfrm>
             <a:prstGeom prst="bentConnector5">
               <a:avLst>
-                <a:gd name="adj1" fmla="val -32764"/>
-                <a:gd name="adj2" fmla="val 24900000"/>
-                <a:gd name="adj3" fmla="val 132764"/>
+                <a:gd name="adj1" fmla="val 132611"/>
+                <a:gd name="adj2" fmla="val 25000000"/>
+                <a:gd name="adj3" fmla="val -32874"/>
               </a:avLst>
             </a:prstGeom>
             <a:ln w="18000">
@@ -212,15 +213,15 @@
             <p:nvPr/>
           </p:nvCxnSpPr>
           <p:spPr>
-            <a:xfrm>
-              <a:off x="539280" y="1422000"/>
-              <a:ext cx="720720" cy="360"/>
+            <a:xfrm rot="10800000">
+              <a:off x="538560" y="1421640"/>
+              <a:ext cx="721080" cy="360"/>
             </a:xfrm>
             <a:prstGeom prst="bentConnector5">
               <a:avLst>
-                <a:gd name="adj1" fmla="val -24937"/>
-                <a:gd name="adj2" fmla="val 24900000"/>
-                <a:gd name="adj3" fmla="val 124937"/>
+                <a:gd name="adj1" fmla="val 124825"/>
+                <a:gd name="adj2" fmla="val 25000000"/>
+                <a:gd name="adj3" fmla="val -25024"/>
               </a:avLst>
             </a:prstGeom>
             <a:ln w="18000">
@@ -241,15 +242,15 @@
             <p:nvPr/>
           </p:nvCxnSpPr>
           <p:spPr>
-            <a:xfrm>
-              <a:off x="625320" y="1638000"/>
-              <a:ext cx="548640" cy="360"/>
+            <a:xfrm rot="10800000">
+              <a:off x="624600" y="1637640"/>
+              <a:ext cx="549000" cy="360"/>
             </a:xfrm>
             <a:prstGeom prst="bentConnector5">
               <a:avLst>
-                <a:gd name="adj1" fmla="val -32764"/>
-                <a:gd name="adj2" fmla="val 24900000"/>
-                <a:gd name="adj3" fmla="val 132764"/>
+                <a:gd name="adj1" fmla="val 132611"/>
+                <a:gd name="adj2" fmla="val 25000000"/>
+                <a:gd name="adj3" fmla="val -32874"/>
               </a:avLst>
             </a:prstGeom>
             <a:ln w="18000">
@@ -270,15 +271,15 @@
             <p:nvPr/>
           </p:nvCxnSpPr>
           <p:spPr>
-            <a:xfrm>
-              <a:off x="850320" y="1854000"/>
-              <a:ext cx="98640" cy="360"/>
+            <a:xfrm rot="10800000">
+              <a:off x="849600" y="1853640"/>
+              <a:ext cx="99000" cy="360"/>
             </a:xfrm>
             <a:prstGeom prst="bentConnector5">
               <a:avLst>
-                <a:gd name="adj1" fmla="val -182783"/>
-                <a:gd name="adj2" fmla="val 24900000"/>
-                <a:gd name="adj3" fmla="val 282783"/>
+                <a:gd name="adj1" fmla="val 282116"/>
+                <a:gd name="adj2" fmla="val 25000000"/>
+                <a:gd name="adj3" fmla="val -183576"/>
               </a:avLst>
             </a:prstGeom>
             <a:ln w="18000">
@@ -299,15 +300,15 @@
             <p:nvPr/>
           </p:nvCxnSpPr>
           <p:spPr>
-            <a:xfrm>
-              <a:off x="850320" y="2070000"/>
-              <a:ext cx="98640" cy="360"/>
+            <a:xfrm rot="10800000">
+              <a:off x="849600" y="2069640"/>
+              <a:ext cx="99000" cy="360"/>
             </a:xfrm>
             <a:prstGeom prst="bentConnector5">
               <a:avLst>
-                <a:gd name="adj1" fmla="val -182783"/>
-                <a:gd name="adj2" fmla="val 24900000"/>
-                <a:gd name="adj3" fmla="val 282783"/>
+                <a:gd name="adj1" fmla="val 282116"/>
+                <a:gd name="adj2" fmla="val 25000000"/>
+                <a:gd name="adj3" fmla="val -183576"/>
               </a:avLst>
             </a:prstGeom>
             <a:ln w="18000">
@@ -329,8 +330,8 @@
           </p:nvCxnSpPr>
           <p:spPr>
             <a:xfrm>
-              <a:off x="625680" y="2286000"/>
-              <a:ext cx="548640" cy="360"/>
+              <a:off x="625320" y="2285640"/>
+              <a:ext cx="549000" cy="360"/>
             </a:xfrm>
             <a:prstGeom prst="bentConnector2">
               <a:avLst/>
@@ -354,8 +355,8 @@
           </p:nvCxnSpPr>
           <p:spPr>
             <a:xfrm>
-              <a:off x="539640" y="2502000"/>
-              <a:ext cx="720720" cy="360"/>
+              <a:off x="539280" y="2501640"/>
+              <a:ext cx="721080" cy="360"/>
             </a:xfrm>
             <a:prstGeom prst="bentConnector2">
               <a:avLst/>
@@ -379,8 +380,8 @@
           </p:nvCxnSpPr>
           <p:spPr>
             <a:xfrm>
-              <a:off x="625680" y="2718000"/>
-              <a:ext cx="548640" cy="360"/>
+              <a:off x="625320" y="2717640"/>
+              <a:ext cx="549000" cy="360"/>
             </a:xfrm>
             <a:prstGeom prst="bentConnector2">
               <a:avLst/>
@@ -404,8 +405,8 @@
           </p:nvCxnSpPr>
           <p:spPr>
             <a:xfrm>
-              <a:off x="850680" y="2934000"/>
-              <a:ext cx="98640" cy="360"/>
+              <a:off x="850320" y="2933640"/>
+              <a:ext cx="99000" cy="360"/>
             </a:xfrm>
             <a:prstGeom prst="bentConnector2">
               <a:avLst/>
@@ -429,8 +430,8 @@
           </p:nvCxnSpPr>
           <p:spPr>
             <a:xfrm>
-              <a:off x="850680" y="3150000"/>
-              <a:ext cx="98640" cy="360"/>
+              <a:off x="850320" y="3149640"/>
+              <a:ext cx="99000" cy="360"/>
             </a:xfrm>
             <a:prstGeom prst="bentConnector2">
               <a:avLst/>
@@ -453,15 +454,15 @@
             <p:nvPr/>
           </p:nvCxnSpPr>
           <p:spPr>
-            <a:xfrm>
-              <a:off x="625320" y="3366000"/>
-              <a:ext cx="548640" cy="360"/>
+            <a:xfrm rot="10800000">
+              <a:off x="624600" y="3365640"/>
+              <a:ext cx="549000" cy="360"/>
             </a:xfrm>
             <a:prstGeom prst="bentConnector5">
               <a:avLst>
-                <a:gd name="adj1" fmla="val -32764"/>
-                <a:gd name="adj2" fmla="val 24900000"/>
-                <a:gd name="adj3" fmla="val 132764"/>
+                <a:gd name="adj1" fmla="val 132611"/>
+                <a:gd name="adj2" fmla="val 25000000"/>
+                <a:gd name="adj3" fmla="val -32874"/>
               </a:avLst>
             </a:prstGeom>
             <a:ln w="18000">
@@ -482,15 +483,15 @@
             <p:nvPr/>
           </p:nvCxnSpPr>
           <p:spPr>
-            <a:xfrm>
-              <a:off x="539280" y="3582000"/>
-              <a:ext cx="720720" cy="360"/>
+            <a:xfrm rot="10800000">
+              <a:off x="538560" y="3581640"/>
+              <a:ext cx="721080" cy="360"/>
             </a:xfrm>
             <a:prstGeom prst="bentConnector5">
               <a:avLst>
-                <a:gd name="adj1" fmla="val -24937"/>
-                <a:gd name="adj2" fmla="val 24900000"/>
-                <a:gd name="adj3" fmla="val 124937"/>
+                <a:gd name="adj1" fmla="val 124825"/>
+                <a:gd name="adj2" fmla="val 25000000"/>
+                <a:gd name="adj3" fmla="val -25024"/>
               </a:avLst>
             </a:prstGeom>
             <a:ln w="18000">
@@ -511,15 +512,15 @@
             <p:nvPr/>
           </p:nvCxnSpPr>
           <p:spPr>
-            <a:xfrm>
-              <a:off x="625320" y="3798000"/>
-              <a:ext cx="548640" cy="360"/>
+            <a:xfrm rot="10800000">
+              <a:off x="624600" y="3797640"/>
+              <a:ext cx="549000" cy="360"/>
             </a:xfrm>
             <a:prstGeom prst="bentConnector5">
               <a:avLst>
-                <a:gd name="adj1" fmla="val -32764"/>
-                <a:gd name="adj2" fmla="val 24900000"/>
-                <a:gd name="adj3" fmla="val 132764"/>
+                <a:gd name="adj1" fmla="val 132611"/>
+                <a:gd name="adj2" fmla="val 25000000"/>
+                <a:gd name="adj3" fmla="val -32874"/>
               </a:avLst>
             </a:prstGeom>
             <a:ln w="18000">
@@ -540,15 +541,15 @@
             <p:nvPr/>
           </p:nvCxnSpPr>
           <p:spPr>
-            <a:xfrm>
-              <a:off x="850320" y="4014000"/>
-              <a:ext cx="98640" cy="360"/>
+            <a:xfrm rot="10800000">
+              <a:off x="849600" y="4013640"/>
+              <a:ext cx="99000" cy="360"/>
             </a:xfrm>
             <a:prstGeom prst="bentConnector5">
               <a:avLst>
-                <a:gd name="adj1" fmla="val -182783"/>
-                <a:gd name="adj2" fmla="val 24900000"/>
-                <a:gd name="adj3" fmla="val 282783"/>
+                <a:gd name="adj1" fmla="val 282116"/>
+                <a:gd name="adj2" fmla="val 25000000"/>
+                <a:gd name="adj3" fmla="val -183576"/>
               </a:avLst>
             </a:prstGeom>
             <a:ln w="18000">
@@ -569,15 +570,15 @@
             <p:nvPr/>
           </p:nvCxnSpPr>
           <p:spPr>
-            <a:xfrm>
-              <a:off x="850320" y="4230000"/>
-              <a:ext cx="98640" cy="360"/>
+            <a:xfrm rot="10800000">
+              <a:off x="849600" y="4229640"/>
+              <a:ext cx="99000" cy="360"/>
             </a:xfrm>
             <a:prstGeom prst="bentConnector5">
               <a:avLst>
-                <a:gd name="adj1" fmla="val -182783"/>
-                <a:gd name="adj2" fmla="val 24900000"/>
-                <a:gd name="adj3" fmla="val 282783"/>
+                <a:gd name="adj1" fmla="val 282116"/>
+                <a:gd name="adj2" fmla="val 25000000"/>
+                <a:gd name="adj3" fmla="val -183576"/>
               </a:avLst>
             </a:prstGeom>
             <a:ln w="18000">
@@ -599,8 +600,8 @@
           </p:nvCxnSpPr>
           <p:spPr>
             <a:xfrm>
-              <a:off x="625680" y="4446000"/>
-              <a:ext cx="548640" cy="360"/>
+              <a:off x="625320" y="4445640"/>
+              <a:ext cx="549000" cy="360"/>
             </a:xfrm>
             <a:prstGeom prst="bentConnector2">
               <a:avLst/>
@@ -624,8 +625,8 @@
           </p:nvCxnSpPr>
           <p:spPr>
             <a:xfrm>
-              <a:off x="539640" y="4662000"/>
-              <a:ext cx="720720" cy="360"/>
+              <a:off x="539280" y="4661640"/>
+              <a:ext cx="721080" cy="360"/>
             </a:xfrm>
             <a:prstGeom prst="bentConnector2">
               <a:avLst/>
@@ -649,8 +650,8 @@
           </p:nvCxnSpPr>
           <p:spPr>
             <a:xfrm>
-              <a:off x="625680" y="4878000"/>
-              <a:ext cx="548640" cy="360"/>
+              <a:off x="625320" y="4877640"/>
+              <a:ext cx="549000" cy="360"/>
             </a:xfrm>
             <a:prstGeom prst="bentConnector2">
               <a:avLst/>
@@ -674,8 +675,8 @@
           </p:nvCxnSpPr>
           <p:spPr>
             <a:xfrm>
-              <a:off x="850680" y="5094000"/>
-              <a:ext cx="98640" cy="360"/>
+              <a:off x="850320" y="5093640"/>
+              <a:ext cx="99000" cy="360"/>
             </a:xfrm>
             <a:prstGeom prst="bentConnector2">
               <a:avLst/>
@@ -699,8 +700,8 @@
           </p:nvCxnSpPr>
           <p:spPr>
             <a:xfrm>
-              <a:off x="850680" y="5310000"/>
-              <a:ext cx="98640" cy="360"/>
+              <a:off x="850320" y="5309640"/>
+              <a:ext cx="99000" cy="360"/>
             </a:xfrm>
             <a:prstGeom prst="bentConnector2">
               <a:avLst/>
@@ -723,15 +724,15 @@
             <p:nvPr/>
           </p:nvCxnSpPr>
           <p:spPr>
-            <a:xfrm>
-              <a:off x="625320" y="5526000"/>
-              <a:ext cx="548640" cy="360"/>
+            <a:xfrm rot="10800000">
+              <a:off x="624600" y="5525640"/>
+              <a:ext cx="549000" cy="360"/>
             </a:xfrm>
             <a:prstGeom prst="bentConnector5">
               <a:avLst>
-                <a:gd name="adj1" fmla="val -32764"/>
-                <a:gd name="adj2" fmla="val 24900000"/>
-                <a:gd name="adj3" fmla="val 132764"/>
+                <a:gd name="adj1" fmla="val 132611"/>
+                <a:gd name="adj2" fmla="val 25000000"/>
+                <a:gd name="adj3" fmla="val -32874"/>
               </a:avLst>
             </a:prstGeom>
             <a:ln w="18000">
@@ -752,15 +753,15 @@
             <p:nvPr/>
           </p:nvCxnSpPr>
           <p:spPr>
-            <a:xfrm>
-              <a:off x="539280" y="5742000"/>
-              <a:ext cx="720720" cy="360"/>
+            <a:xfrm rot="10800000">
+              <a:off x="538560" y="5741640"/>
+              <a:ext cx="721080" cy="360"/>
             </a:xfrm>
             <a:prstGeom prst="bentConnector5">
               <a:avLst>
-                <a:gd name="adj1" fmla="val -24937"/>
-                <a:gd name="adj2" fmla="val 24900000"/>
-                <a:gd name="adj3" fmla="val 124937"/>
+                <a:gd name="adj1" fmla="val 124825"/>
+                <a:gd name="adj2" fmla="val 25000000"/>
+                <a:gd name="adj3" fmla="val -25024"/>
               </a:avLst>
             </a:prstGeom>
             <a:ln w="18000">
@@ -780,7 +781,7 @@
           <p:spPr>
             <a:xfrm>
               <a:off x="446040" y="36000"/>
-              <a:ext cx="179640" cy="179640"/>
+              <a:ext cx="179280" cy="179280"/>
             </a:xfrm>
             <a:prstGeom prst="ellipse">
               <a:avLst/>
@@ -832,7 +833,7 @@
           <p:spPr>
             <a:xfrm>
               <a:off x="1173960" y="36000"/>
-              <a:ext cx="179640" cy="179640"/>
+              <a:ext cx="179280" cy="179280"/>
             </a:xfrm>
             <a:prstGeom prst="ellipse">
               <a:avLst/>
@@ -884,7 +885,7 @@
           <p:spPr>
             <a:xfrm>
               <a:off x="360000" y="252000"/>
-              <a:ext cx="179640" cy="179640"/>
+              <a:ext cx="179280" cy="179280"/>
             </a:xfrm>
             <a:prstGeom prst="ellipse">
               <a:avLst/>
@@ -936,7 +937,7 @@
           <p:spPr>
             <a:xfrm>
               <a:off x="1260000" y="252000"/>
-              <a:ext cx="179640" cy="179640"/>
+              <a:ext cx="179280" cy="179280"/>
             </a:xfrm>
             <a:prstGeom prst="ellipse">
               <a:avLst/>
@@ -988,7 +989,7 @@
           <p:spPr>
             <a:xfrm>
               <a:off x="446040" y="468000"/>
-              <a:ext cx="179640" cy="179640"/>
+              <a:ext cx="179280" cy="179280"/>
             </a:xfrm>
             <a:prstGeom prst="ellipse">
               <a:avLst/>
@@ -1040,7 +1041,7 @@
           <p:spPr>
             <a:xfrm>
               <a:off x="1173960" y="468000"/>
-              <a:ext cx="179640" cy="179640"/>
+              <a:ext cx="179280" cy="179280"/>
             </a:xfrm>
             <a:prstGeom prst="ellipse">
               <a:avLst/>
@@ -1092,7 +1093,7 @@
           <p:spPr>
             <a:xfrm>
               <a:off x="671040" y="684000"/>
-              <a:ext cx="179640" cy="179640"/>
+              <a:ext cx="179280" cy="179280"/>
             </a:xfrm>
             <a:prstGeom prst="ellipse">
               <a:avLst/>
@@ -1144,7 +1145,7 @@
           <p:spPr>
             <a:xfrm>
               <a:off x="948960" y="684000"/>
-              <a:ext cx="179640" cy="179640"/>
+              <a:ext cx="179280" cy="179280"/>
             </a:xfrm>
             <a:prstGeom prst="ellipse">
               <a:avLst/>
@@ -1196,7 +1197,7 @@
           <p:spPr>
             <a:xfrm>
               <a:off x="948960" y="900000"/>
-              <a:ext cx="179640" cy="179640"/>
+              <a:ext cx="179280" cy="179280"/>
             </a:xfrm>
             <a:prstGeom prst="ellipse">
               <a:avLst/>
@@ -1248,7 +1249,7 @@
           <p:spPr>
             <a:xfrm>
               <a:off x="671040" y="900000"/>
-              <a:ext cx="179640" cy="179640"/>
+              <a:ext cx="179280" cy="179280"/>
             </a:xfrm>
             <a:prstGeom prst="ellipse">
               <a:avLst/>
@@ -1300,7 +1301,7 @@
           <p:spPr>
             <a:xfrm flipH="1">
               <a:off x="1173240" y="1116000"/>
-              <a:ext cx="179640" cy="179640"/>
+              <a:ext cx="179280" cy="179280"/>
             </a:xfrm>
             <a:prstGeom prst="ellipse">
               <a:avLst/>
@@ -1352,7 +1353,7 @@
           <p:spPr>
             <a:xfrm flipH="1">
               <a:off x="445320" y="1116000"/>
-              <a:ext cx="179640" cy="179640"/>
+              <a:ext cx="179280" cy="179280"/>
             </a:xfrm>
             <a:prstGeom prst="ellipse">
               <a:avLst/>
@@ -1404,7 +1405,7 @@
           <p:spPr>
             <a:xfrm flipH="1">
               <a:off x="1259280" y="1332000"/>
-              <a:ext cx="179640" cy="179640"/>
+              <a:ext cx="179280" cy="179280"/>
             </a:xfrm>
             <a:prstGeom prst="ellipse">
               <a:avLst/>
@@ -1456,7 +1457,7 @@
           <p:spPr>
             <a:xfrm flipH="1">
               <a:off x="359280" y="1332000"/>
-              <a:ext cx="179640" cy="179640"/>
+              <a:ext cx="179280" cy="179280"/>
             </a:xfrm>
             <a:prstGeom prst="ellipse">
               <a:avLst/>
@@ -1508,7 +1509,7 @@
           <p:spPr>
             <a:xfrm flipH="1">
               <a:off x="1173240" y="1548000"/>
-              <a:ext cx="179640" cy="179640"/>
+              <a:ext cx="179280" cy="179280"/>
             </a:xfrm>
             <a:prstGeom prst="ellipse">
               <a:avLst/>
@@ -1560,7 +1561,7 @@
           <p:spPr>
             <a:xfrm flipH="1">
               <a:off x="445320" y="1548000"/>
-              <a:ext cx="179640" cy="179640"/>
+              <a:ext cx="179280" cy="179280"/>
             </a:xfrm>
             <a:prstGeom prst="ellipse">
               <a:avLst/>
@@ -1612,7 +1613,7 @@
           <p:spPr>
             <a:xfrm flipH="1">
               <a:off x="948240" y="1764000"/>
-              <a:ext cx="179640" cy="179640"/>
+              <a:ext cx="179280" cy="179280"/>
             </a:xfrm>
             <a:prstGeom prst="ellipse">
               <a:avLst/>
@@ -1664,7 +1665,7 @@
           <p:spPr>
             <a:xfrm flipH="1">
               <a:off x="670320" y="1764000"/>
-              <a:ext cx="179640" cy="179640"/>
+              <a:ext cx="179280" cy="179280"/>
             </a:xfrm>
             <a:prstGeom prst="ellipse">
               <a:avLst/>
@@ -1716,7 +1717,7 @@
           <p:spPr>
             <a:xfrm flipH="1">
               <a:off x="670320" y="1980000"/>
-              <a:ext cx="179640" cy="179640"/>
+              <a:ext cx="179280" cy="179280"/>
             </a:xfrm>
             <a:prstGeom prst="ellipse">
               <a:avLst/>
@@ -1768,7 +1769,7 @@
           <p:spPr>
             <a:xfrm flipH="1">
               <a:off x="948240" y="1980000"/>
-              <a:ext cx="179640" cy="179640"/>
+              <a:ext cx="179280" cy="179280"/>
             </a:xfrm>
             <a:prstGeom prst="ellipse">
               <a:avLst/>
@@ -1820,7 +1821,7 @@
           <p:spPr>
             <a:xfrm>
               <a:off x="446040" y="2196000"/>
-              <a:ext cx="179640" cy="179640"/>
+              <a:ext cx="179280" cy="179280"/>
             </a:xfrm>
             <a:prstGeom prst="ellipse">
               <a:avLst/>
@@ -1872,7 +1873,7 @@
           <p:spPr>
             <a:xfrm>
               <a:off x="1173960" y="2196000"/>
-              <a:ext cx="179640" cy="179640"/>
+              <a:ext cx="179280" cy="179280"/>
             </a:xfrm>
             <a:prstGeom prst="ellipse">
               <a:avLst/>
@@ -1924,7 +1925,7 @@
           <p:spPr>
             <a:xfrm>
               <a:off x="360000" y="2412000"/>
-              <a:ext cx="179640" cy="179640"/>
+              <a:ext cx="179280" cy="179280"/>
             </a:xfrm>
             <a:prstGeom prst="ellipse">
               <a:avLst/>
@@ -1976,7 +1977,7 @@
           <p:spPr>
             <a:xfrm>
               <a:off x="1260000" y="2412000"/>
-              <a:ext cx="179640" cy="179640"/>
+              <a:ext cx="179280" cy="179280"/>
             </a:xfrm>
             <a:prstGeom prst="ellipse">
               <a:avLst/>
@@ -2028,7 +2029,7 @@
           <p:spPr>
             <a:xfrm>
               <a:off x="446040" y="2628000"/>
-              <a:ext cx="179640" cy="179640"/>
+              <a:ext cx="179280" cy="179280"/>
             </a:xfrm>
             <a:prstGeom prst="ellipse">
               <a:avLst/>
@@ -2080,7 +2081,7 @@
           <p:spPr>
             <a:xfrm>
               <a:off x="1173960" y="2628000"/>
-              <a:ext cx="179640" cy="179640"/>
+              <a:ext cx="179280" cy="179280"/>
             </a:xfrm>
             <a:prstGeom prst="ellipse">
               <a:avLst/>
@@ -2132,7 +2133,7 @@
           <p:spPr>
             <a:xfrm>
               <a:off x="671040" y="2844000"/>
-              <a:ext cx="179640" cy="179640"/>
+              <a:ext cx="179280" cy="179280"/>
             </a:xfrm>
             <a:prstGeom prst="ellipse">
               <a:avLst/>
@@ -2184,7 +2185,7 @@
           <p:spPr>
             <a:xfrm>
               <a:off x="948960" y="2844000"/>
-              <a:ext cx="179640" cy="179640"/>
+              <a:ext cx="179280" cy="179280"/>
             </a:xfrm>
             <a:prstGeom prst="ellipse">
               <a:avLst/>
@@ -2236,7 +2237,7 @@
           <p:spPr>
             <a:xfrm>
               <a:off x="948960" y="3060000"/>
-              <a:ext cx="179640" cy="179640"/>
+              <a:ext cx="179280" cy="179280"/>
             </a:xfrm>
             <a:prstGeom prst="ellipse">
               <a:avLst/>
@@ -2288,7 +2289,7 @@
           <p:spPr>
             <a:xfrm>
               <a:off x="671040" y="3060000"/>
-              <a:ext cx="179640" cy="179640"/>
+              <a:ext cx="179280" cy="179280"/>
             </a:xfrm>
             <a:prstGeom prst="ellipse">
               <a:avLst/>
@@ -2340,7 +2341,7 @@
           <p:spPr>
             <a:xfrm flipH="1">
               <a:off x="1173240" y="3276000"/>
-              <a:ext cx="179640" cy="179640"/>
+              <a:ext cx="179280" cy="179280"/>
             </a:xfrm>
             <a:prstGeom prst="ellipse">
               <a:avLst/>
@@ -2392,7 +2393,7 @@
           <p:spPr>
             <a:xfrm flipH="1">
               <a:off x="445320" y="3276000"/>
-              <a:ext cx="179640" cy="179640"/>
+              <a:ext cx="179280" cy="179280"/>
             </a:xfrm>
             <a:prstGeom prst="ellipse">
               <a:avLst/>
@@ -2444,7 +2445,7 @@
           <p:spPr>
             <a:xfrm flipH="1">
               <a:off x="1259280" y="3492000"/>
-              <a:ext cx="179640" cy="179640"/>
+              <a:ext cx="179280" cy="179280"/>
             </a:xfrm>
             <a:prstGeom prst="ellipse">
               <a:avLst/>
@@ -2496,7 +2497,7 @@
           <p:spPr>
             <a:xfrm flipH="1">
               <a:off x="359280" y="3492000"/>
-              <a:ext cx="179640" cy="179640"/>
+              <a:ext cx="179280" cy="179280"/>
             </a:xfrm>
             <a:prstGeom prst="ellipse">
               <a:avLst/>
@@ -2548,7 +2549,7 @@
           <p:spPr>
             <a:xfrm flipH="1">
               <a:off x="1173240" y="3708000"/>
-              <a:ext cx="179640" cy="179640"/>
+              <a:ext cx="179280" cy="179280"/>
             </a:xfrm>
             <a:prstGeom prst="ellipse">
               <a:avLst/>
@@ -2600,7 +2601,7 @@
           <p:spPr>
             <a:xfrm flipH="1">
               <a:off x="445320" y="3708000"/>
-              <a:ext cx="179640" cy="179640"/>
+              <a:ext cx="179280" cy="179280"/>
             </a:xfrm>
             <a:prstGeom prst="ellipse">
               <a:avLst/>
@@ -2652,7 +2653,7 @@
           <p:spPr>
             <a:xfrm flipH="1">
               <a:off x="948240" y="3924000"/>
-              <a:ext cx="179640" cy="179640"/>
+              <a:ext cx="179280" cy="179280"/>
             </a:xfrm>
             <a:prstGeom prst="ellipse">
               <a:avLst/>
@@ -2704,7 +2705,7 @@
           <p:spPr>
             <a:xfrm flipH="1">
               <a:off x="670320" y="3924000"/>
-              <a:ext cx="179640" cy="179640"/>
+              <a:ext cx="179280" cy="179280"/>
             </a:xfrm>
             <a:prstGeom prst="ellipse">
               <a:avLst/>
@@ -2756,7 +2757,7 @@
           <p:spPr>
             <a:xfrm flipH="1">
               <a:off x="670320" y="4140000"/>
-              <a:ext cx="179640" cy="179640"/>
+              <a:ext cx="179280" cy="179280"/>
             </a:xfrm>
             <a:prstGeom prst="ellipse">
               <a:avLst/>
@@ -2808,7 +2809,7 @@
           <p:spPr>
             <a:xfrm flipH="1">
               <a:off x="948240" y="4140000"/>
-              <a:ext cx="179640" cy="179640"/>
+              <a:ext cx="179280" cy="179280"/>
             </a:xfrm>
             <a:prstGeom prst="ellipse">
               <a:avLst/>
@@ -2860,7 +2861,7 @@
           <p:spPr>
             <a:xfrm>
               <a:off x="446040" y="4356000"/>
-              <a:ext cx="179640" cy="179640"/>
+              <a:ext cx="179280" cy="179280"/>
             </a:xfrm>
             <a:prstGeom prst="ellipse">
               <a:avLst/>
@@ -2912,7 +2913,7 @@
           <p:spPr>
             <a:xfrm>
               <a:off x="1173960" y="4356000"/>
-              <a:ext cx="179640" cy="179640"/>
+              <a:ext cx="179280" cy="179280"/>
             </a:xfrm>
             <a:prstGeom prst="ellipse">
               <a:avLst/>
@@ -2964,7 +2965,7 @@
           <p:spPr>
             <a:xfrm>
               <a:off x="360000" y="4572000"/>
-              <a:ext cx="179640" cy="179640"/>
+              <a:ext cx="179280" cy="179280"/>
             </a:xfrm>
             <a:prstGeom prst="ellipse">
               <a:avLst/>
@@ -3016,7 +3017,7 @@
           <p:spPr>
             <a:xfrm>
               <a:off x="1260000" y="4572000"/>
-              <a:ext cx="179640" cy="179640"/>
+              <a:ext cx="179280" cy="179280"/>
             </a:xfrm>
             <a:prstGeom prst="ellipse">
               <a:avLst/>
@@ -3068,7 +3069,7 @@
           <p:spPr>
             <a:xfrm>
               <a:off x="446040" y="4788000"/>
-              <a:ext cx="179640" cy="179640"/>
+              <a:ext cx="179280" cy="179280"/>
             </a:xfrm>
             <a:prstGeom prst="ellipse">
               <a:avLst/>
@@ -3120,7 +3121,7 @@
           <p:spPr>
             <a:xfrm>
               <a:off x="1173960" y="4788000"/>
-              <a:ext cx="179640" cy="179640"/>
+              <a:ext cx="179280" cy="179280"/>
             </a:xfrm>
             <a:prstGeom prst="ellipse">
               <a:avLst/>
@@ -3172,7 +3173,7 @@
           <p:spPr>
             <a:xfrm>
               <a:off x="671040" y="5004000"/>
-              <a:ext cx="179640" cy="179640"/>
+              <a:ext cx="179280" cy="179280"/>
             </a:xfrm>
             <a:prstGeom prst="ellipse">
               <a:avLst/>
@@ -3224,7 +3225,7 @@
           <p:spPr>
             <a:xfrm>
               <a:off x="948960" y="5004000"/>
-              <a:ext cx="179640" cy="179640"/>
+              <a:ext cx="179280" cy="179280"/>
             </a:xfrm>
             <a:prstGeom prst="ellipse">
               <a:avLst/>
@@ -3276,7 +3277,7 @@
           <p:spPr>
             <a:xfrm>
               <a:off x="948960" y="5220000"/>
-              <a:ext cx="179640" cy="179640"/>
+              <a:ext cx="179280" cy="179280"/>
             </a:xfrm>
             <a:prstGeom prst="ellipse">
               <a:avLst/>
@@ -3328,7 +3329,7 @@
           <p:spPr>
             <a:xfrm>
               <a:off x="671040" y="5220000"/>
-              <a:ext cx="179640" cy="179640"/>
+              <a:ext cx="179280" cy="179280"/>
             </a:xfrm>
             <a:prstGeom prst="ellipse">
               <a:avLst/>
@@ -3380,7 +3381,7 @@
           <p:spPr>
             <a:xfrm flipH="1">
               <a:off x="1173240" y="5436000"/>
-              <a:ext cx="179640" cy="179640"/>
+              <a:ext cx="179280" cy="179280"/>
             </a:xfrm>
             <a:prstGeom prst="ellipse">
               <a:avLst/>
@@ -3432,7 +3433,7 @@
           <p:spPr>
             <a:xfrm flipH="1">
               <a:off x="445320" y="5436000"/>
-              <a:ext cx="179640" cy="179640"/>
+              <a:ext cx="179280" cy="179280"/>
             </a:xfrm>
             <a:prstGeom prst="ellipse">
               <a:avLst/>
@@ -3484,7 +3485,7 @@
           <p:spPr>
             <a:xfrm flipH="1">
               <a:off x="1259280" y="5652000"/>
-              <a:ext cx="179640" cy="179640"/>
+              <a:ext cx="179280" cy="179280"/>
             </a:xfrm>
             <a:prstGeom prst="ellipse">
               <a:avLst/>
@@ -3536,7 +3537,7 @@
           <p:spPr>
             <a:xfrm flipH="1">
               <a:off x="359280" y="5652000"/>
-              <a:ext cx="179640" cy="179640"/>
+              <a:ext cx="179280" cy="179280"/>
             </a:xfrm>
             <a:prstGeom prst="ellipse">
               <a:avLst/>
@@ -3593,7 +3594,7 @@
         <p:spPr>
           <a:xfrm>
             <a:off x="1620000" y="216000"/>
-            <a:ext cx="8099640" cy="935640"/>
+            <a:ext cx="8099280" cy="935280"/>
           </a:xfrm>
           <a:prstGeom prst="rect">
             <a:avLst/>
@@ -3609,7 +3610,13 @@
           </a:bodyPr>
           <a:p>
             <a:pPr indent="0">
+              <a:lnSpc>
+                <a:spcPct val="100000"/>
+              </a:lnSpc>
               <a:buNone/>
+              <a:tabLst>
+                <a:tab algn="l" pos="0"/>
+              </a:tabLst>
             </a:pPr>
             <a:r>
               <a:rPr b="0" lang="en-US" sz="1800" strike="noStrike" u="none">
@@ -3646,7 +3653,7 @@
         <p:spPr>
           <a:xfrm>
             <a:off x="1620000" y="1368000"/>
-            <a:ext cx="8099640" cy="3287880"/>
+            <a:ext cx="8099280" cy="3287520"/>
           </a:xfrm>
           <a:prstGeom prst="rect">
             <a:avLst/>
@@ -3662,6 +3669,9 @@
           </a:bodyPr>
           <a:p>
             <a:pPr marL="432000" indent="-324000">
+              <a:lnSpc>
+                <a:spcPct val="100000"/>
+              </a:lnSpc>
               <a:spcBef>
                 <a:spcPts val="1417"/>
               </a:spcBef>
@@ -3694,6 +3704,9 @@
           </a:p>
           <a:p>
             <a:pPr lvl="1" marL="864000" indent="-324000">
+              <a:lnSpc>
+                <a:spcPct val="100000"/>
+              </a:lnSpc>
               <a:spcBef>
                 <a:spcPts val="1134"/>
               </a:spcBef>
@@ -3726,6 +3739,9 @@
           </a:p>
           <a:p>
             <a:pPr lvl="2" marL="1296000" indent="-288000">
+              <a:lnSpc>
+                <a:spcPct val="100000"/>
+              </a:lnSpc>
               <a:spcBef>
                 <a:spcPts val="850"/>
               </a:spcBef>
@@ -3758,6 +3774,9 @@
           </a:p>
           <a:p>
             <a:pPr lvl="3" marL="1728000" indent="-216000">
+              <a:lnSpc>
+                <a:spcPct val="100000"/>
+              </a:lnSpc>
               <a:spcBef>
                 <a:spcPts val="567"/>
               </a:spcBef>
@@ -3790,6 +3809,9 @@
           </a:p>
           <a:p>
             <a:pPr lvl="4" marL="2160000" indent="-216000">
+              <a:lnSpc>
+                <a:spcPct val="100000"/>
+              </a:lnSpc>
               <a:spcBef>
                 <a:spcPts val="283"/>
               </a:spcBef>
@@ -3822,6 +3844,9 @@
           </a:p>
           <a:p>
             <a:pPr lvl="5" marL="2592000" indent="-216000">
+              <a:lnSpc>
+                <a:spcPct val="100000"/>
+              </a:lnSpc>
               <a:spcBef>
                 <a:spcPts val="283"/>
               </a:spcBef>
@@ -3854,6 +3879,9 @@
           </a:p>
           <a:p>
             <a:pPr lvl="6" marL="3024000" indent="-216000">
+              <a:lnSpc>
+                <a:spcPct val="100000"/>
+              </a:lnSpc>
               <a:spcBef>
                 <a:spcPts val="283"/>
               </a:spcBef>
@@ -3899,7 +3927,7 @@
         <p:spPr>
           <a:xfrm>
             <a:off x="3987000" y="5164920"/>
-            <a:ext cx="3194640" cy="390240"/>
+            <a:ext cx="3194280" cy="389880"/>
           </a:xfrm>
           <a:prstGeom prst="rect">
             <a:avLst/>
@@ -3977,7 +4005,7 @@
         <p:spPr>
           <a:xfrm>
             <a:off x="7227000" y="5164920"/>
-            <a:ext cx="2347920" cy="390240"/>
+            <a:ext cx="2347560" cy="389880"/>
           </a:xfrm>
           <a:prstGeom prst="rect">
             <a:avLst/>
@@ -4020,7 +4048,7 @@
                 <a:tab algn="l" pos="0"/>
               </a:tabLst>
             </a:pPr>
-            <a:fld id="{65849D03-2892-45F8-9B0D-B43444460CE6}" type="slidenum">
+            <a:fld id="{8583E36F-9B24-4BB1-98B3-F301431DC9FB}" type="slidenum">
               <a:rPr b="0" lang="en-US" sz="1400" strike="noStrike" u="none">
                 <a:solidFill>
                   <a:srgbClr val="000000"/>
@@ -4055,7 +4083,7 @@
         <p:spPr>
           <a:xfrm>
             <a:off x="1584000" y="5164920"/>
-            <a:ext cx="2347920" cy="390240"/>
+            <a:ext cx="2347560" cy="389880"/>
           </a:xfrm>
           <a:prstGeom prst="rect">
             <a:avLst/>
@@ -4071,7 +4099,13 @@
           </a:bodyPr>
           <a:lstStyle>
             <a:lvl1pPr indent="0">
+              <a:lnSpc>
+                <a:spcPct val="100000"/>
+              </a:lnSpc>
               <a:buNone/>
+              <a:tabLst>
+                <a:tab algn="l" pos="0"/>
+              </a:tabLst>
               <a:defRPr b="0" lang="en-US" sz="1400" strike="noStrike" u="none">
                 <a:solidFill>
                   <a:srgbClr val="000000"/>
@@ -4084,7 +4118,13 @@
           </a:lstStyle>
           <a:p>
             <a:pPr indent="0">
+              <a:lnSpc>
+                <a:spcPct val="100000"/>
+              </a:lnSpc>
               <a:buNone/>
+              <a:tabLst>
+                <a:tab algn="l" pos="0"/>
+              </a:tabLst>
             </a:pPr>
             <a:r>
               <a:rPr b="0" lang="en-US" sz="1400" strike="noStrike" u="none">
@@ -4138,10 +4178,10 @@
         </p:nvGrpSpPr>
         <p:grpSpPr>
           <a:xfrm>
-            <a:off x="359640" y="36000"/>
-            <a:ext cx="1080000" cy="5795640"/>
-            <a:chOff x="359640" y="36000"/>
-            <a:chExt cx="1080000" cy="5795640"/>
+            <a:off x="359280" y="36000"/>
+            <a:ext cx="1080360" cy="5795640"/>
+            <a:chOff x="359280" y="36000"/>
+            <a:chExt cx="1080360" cy="5795640"/>
           </a:xfrm>
         </p:grpSpPr>
         <p:cxnSp>
@@ -4155,8 +4195,8 @@
           </p:nvCxnSpPr>
           <p:spPr>
             <a:xfrm>
-              <a:off x="625680" y="126000"/>
-              <a:ext cx="548640" cy="360"/>
+              <a:off x="625320" y="125640"/>
+              <a:ext cx="549000" cy="360"/>
             </a:xfrm>
             <a:prstGeom prst="bentConnector2">
               <a:avLst/>
@@ -4180,8 +4220,8 @@
           </p:nvCxnSpPr>
           <p:spPr>
             <a:xfrm>
-              <a:off x="539640" y="342000"/>
-              <a:ext cx="720720" cy="360"/>
+              <a:off x="539280" y="341640"/>
+              <a:ext cx="721080" cy="360"/>
             </a:xfrm>
             <a:prstGeom prst="bentConnector2">
               <a:avLst/>
@@ -4205,8 +4245,8 @@
           </p:nvCxnSpPr>
           <p:spPr>
             <a:xfrm>
-              <a:off x="625680" y="558000"/>
-              <a:ext cx="548640" cy="360"/>
+              <a:off x="625320" y="557640"/>
+              <a:ext cx="549000" cy="360"/>
             </a:xfrm>
             <a:prstGeom prst="bentConnector2">
               <a:avLst/>
@@ -4230,8 +4270,8 @@
           </p:nvCxnSpPr>
           <p:spPr>
             <a:xfrm>
-              <a:off x="850680" y="774000"/>
-              <a:ext cx="98640" cy="360"/>
+              <a:off x="850320" y="773640"/>
+              <a:ext cx="99000" cy="360"/>
             </a:xfrm>
             <a:prstGeom prst="bentConnector2">
               <a:avLst/>
@@ -4255,8 +4295,8 @@
           </p:nvCxnSpPr>
           <p:spPr>
             <a:xfrm>
-              <a:off x="850680" y="990000"/>
-              <a:ext cx="98640" cy="360"/>
+              <a:off x="850320" y="989640"/>
+              <a:ext cx="99000" cy="360"/>
             </a:xfrm>
             <a:prstGeom prst="bentConnector2">
               <a:avLst/>
@@ -4279,15 +4319,15 @@
             <p:nvPr/>
           </p:nvCxnSpPr>
           <p:spPr>
-            <a:xfrm>
-              <a:off x="625320" y="1206000"/>
-              <a:ext cx="548640" cy="360"/>
+            <a:xfrm rot="10800000">
+              <a:off x="624600" y="1205640"/>
+              <a:ext cx="549000" cy="360"/>
             </a:xfrm>
             <a:prstGeom prst="bentConnector5">
               <a:avLst>
-                <a:gd name="adj1" fmla="val -32764"/>
-                <a:gd name="adj2" fmla="val 24900000"/>
-                <a:gd name="adj3" fmla="val 132764"/>
+                <a:gd name="adj1" fmla="val 132611"/>
+                <a:gd name="adj2" fmla="val 25000000"/>
+                <a:gd name="adj3" fmla="val -32874"/>
               </a:avLst>
             </a:prstGeom>
             <a:ln w="18000">
@@ -4308,15 +4348,15 @@
             <p:nvPr/>
           </p:nvCxnSpPr>
           <p:spPr>
-            <a:xfrm>
-              <a:off x="539280" y="1422000"/>
-              <a:ext cx="720720" cy="360"/>
+            <a:xfrm rot="10800000">
+              <a:off x="538560" y="1421640"/>
+              <a:ext cx="721080" cy="360"/>
             </a:xfrm>
             <a:prstGeom prst="bentConnector5">
               <a:avLst>
-                <a:gd name="adj1" fmla="val -24937"/>
-                <a:gd name="adj2" fmla="val 24900000"/>
-                <a:gd name="adj3" fmla="val 124937"/>
+                <a:gd name="adj1" fmla="val 124825"/>
+                <a:gd name="adj2" fmla="val 25000000"/>
+                <a:gd name="adj3" fmla="val -25024"/>
               </a:avLst>
             </a:prstGeom>
             <a:ln w="18000">
@@ -4337,15 +4377,15 @@
             <p:nvPr/>
           </p:nvCxnSpPr>
           <p:spPr>
-            <a:xfrm>
-              <a:off x="625320" y="1638000"/>
-              <a:ext cx="548640" cy="360"/>
+            <a:xfrm rot="10800000">
+              <a:off x="624600" y="1637640"/>
+              <a:ext cx="549000" cy="360"/>
             </a:xfrm>
             <a:prstGeom prst="bentConnector5">
               <a:avLst>
-                <a:gd name="adj1" fmla="val -32764"/>
-                <a:gd name="adj2" fmla="val 24900000"/>
-                <a:gd name="adj3" fmla="val 132764"/>
+                <a:gd name="adj1" fmla="val 132611"/>
+                <a:gd name="adj2" fmla="val 25000000"/>
+                <a:gd name="adj3" fmla="val -32874"/>
               </a:avLst>
             </a:prstGeom>
             <a:ln w="18000">
@@ -4366,15 +4406,15 @@
             <p:nvPr/>
           </p:nvCxnSpPr>
           <p:spPr>
-            <a:xfrm>
-              <a:off x="850320" y="1854000"/>
-              <a:ext cx="98640" cy="360"/>
+            <a:xfrm rot="10800000">
+              <a:off x="849600" y="1853640"/>
+              <a:ext cx="99000" cy="360"/>
             </a:xfrm>
             <a:prstGeom prst="bentConnector5">
               <a:avLst>
-                <a:gd name="adj1" fmla="val -182783"/>
-                <a:gd name="adj2" fmla="val 24900000"/>
-                <a:gd name="adj3" fmla="val 282783"/>
+                <a:gd name="adj1" fmla="val 282116"/>
+                <a:gd name="adj2" fmla="val 25000000"/>
+                <a:gd name="adj3" fmla="val -183576"/>
               </a:avLst>
             </a:prstGeom>
             <a:ln w="18000">
@@ -4395,15 +4435,15 @@
             <p:nvPr/>
           </p:nvCxnSpPr>
           <p:spPr>
-            <a:xfrm>
-              <a:off x="850320" y="2070000"/>
-              <a:ext cx="98640" cy="360"/>
+            <a:xfrm rot="10800000">
+              <a:off x="849600" y="2069640"/>
+              <a:ext cx="99000" cy="360"/>
             </a:xfrm>
             <a:prstGeom prst="bentConnector5">
               <a:avLst>
-                <a:gd name="adj1" fmla="val -182783"/>
-                <a:gd name="adj2" fmla="val 24900000"/>
-                <a:gd name="adj3" fmla="val 282783"/>
+                <a:gd name="adj1" fmla="val 282116"/>
+                <a:gd name="adj2" fmla="val 25000000"/>
+                <a:gd name="adj3" fmla="val -183576"/>
               </a:avLst>
             </a:prstGeom>
             <a:ln w="18000">
@@ -4425,8 +4465,8 @@
           </p:nvCxnSpPr>
           <p:spPr>
             <a:xfrm>
-              <a:off x="625680" y="2286000"/>
-              <a:ext cx="548640" cy="360"/>
+              <a:off x="625320" y="2285640"/>
+              <a:ext cx="549000" cy="360"/>
             </a:xfrm>
             <a:prstGeom prst="bentConnector2">
               <a:avLst/>
@@ -4450,8 +4490,8 @@
           </p:nvCxnSpPr>
           <p:spPr>
             <a:xfrm>
-              <a:off x="539640" y="2502000"/>
-              <a:ext cx="720720" cy="360"/>
+              <a:off x="539280" y="2501640"/>
+              <a:ext cx="721080" cy="360"/>
             </a:xfrm>
             <a:prstGeom prst="bentConnector2">
               <a:avLst/>
@@ -4475,8 +4515,8 @@
           </p:nvCxnSpPr>
           <p:spPr>
             <a:xfrm>
-              <a:off x="625680" y="2718000"/>
-              <a:ext cx="548640" cy="360"/>
+              <a:off x="625320" y="2717640"/>
+              <a:ext cx="549000" cy="360"/>
             </a:xfrm>
             <a:prstGeom prst="bentConnector2">
               <a:avLst/>
@@ -4500,8 +4540,8 @@
           </p:nvCxnSpPr>
           <p:spPr>
             <a:xfrm>
-              <a:off x="850680" y="2934000"/>
-              <a:ext cx="98640" cy="360"/>
+              <a:off x="850320" y="2933640"/>
+              <a:ext cx="99000" cy="360"/>
             </a:xfrm>
             <a:prstGeom prst="bentConnector2">
               <a:avLst/>
@@ -4525,8 +4565,8 @@
           </p:nvCxnSpPr>
           <p:spPr>
             <a:xfrm>
-              <a:off x="850680" y="3150000"/>
-              <a:ext cx="98640" cy="360"/>
+              <a:off x="850320" y="3149640"/>
+              <a:ext cx="99000" cy="360"/>
             </a:xfrm>
             <a:prstGeom prst="bentConnector2">
               <a:avLst/>
@@ -4549,15 +4589,15 @@
             <p:nvPr/>
           </p:nvCxnSpPr>
           <p:spPr>
-            <a:xfrm>
-              <a:off x="625320" y="3366000"/>
-              <a:ext cx="548640" cy="360"/>
+            <a:xfrm rot="10800000">
+              <a:off x="624600" y="3365640"/>
+              <a:ext cx="549000" cy="360"/>
             </a:xfrm>
             <a:prstGeom prst="bentConnector5">
               <a:avLst>
-                <a:gd name="adj1" fmla="val -32764"/>
-                <a:gd name="adj2" fmla="val 24900000"/>
-                <a:gd name="adj3" fmla="val 132764"/>
+                <a:gd name="adj1" fmla="val 132611"/>
+                <a:gd name="adj2" fmla="val 25000000"/>
+                <a:gd name="adj3" fmla="val -32874"/>
               </a:avLst>
             </a:prstGeom>
             <a:ln w="18000">
@@ -4578,15 +4618,15 @@
             <p:nvPr/>
           </p:nvCxnSpPr>
           <p:spPr>
-            <a:xfrm>
-              <a:off x="539280" y="3582000"/>
-              <a:ext cx="720720" cy="360"/>
+            <a:xfrm rot="10800000">
+              <a:off x="538560" y="3581640"/>
+              <a:ext cx="721080" cy="360"/>
             </a:xfrm>
             <a:prstGeom prst="bentConnector5">
               <a:avLst>
-                <a:gd name="adj1" fmla="val -24937"/>
-                <a:gd name="adj2" fmla="val 24900000"/>
-                <a:gd name="adj3" fmla="val 124937"/>
+                <a:gd name="adj1" fmla="val 124825"/>
+                <a:gd name="adj2" fmla="val 25000000"/>
+                <a:gd name="adj3" fmla="val -25024"/>
               </a:avLst>
             </a:prstGeom>
             <a:ln w="18000">
@@ -4607,15 +4647,15 @@
             <p:nvPr/>
           </p:nvCxnSpPr>
           <p:spPr>
-            <a:xfrm>
-              <a:off x="625320" y="3798000"/>
-              <a:ext cx="548640" cy="360"/>
+            <a:xfrm rot="10800000">
+              <a:off x="624600" y="3797640"/>
+              <a:ext cx="549000" cy="360"/>
             </a:xfrm>
             <a:prstGeom prst="bentConnector5">
               <a:avLst>
-                <a:gd name="adj1" fmla="val -32764"/>
-                <a:gd name="adj2" fmla="val 24900000"/>
-                <a:gd name="adj3" fmla="val 132764"/>
+                <a:gd name="adj1" fmla="val 132611"/>
+                <a:gd name="adj2" fmla="val 25000000"/>
+                <a:gd name="adj3" fmla="val -32874"/>
               </a:avLst>
             </a:prstGeom>
             <a:ln w="18000">
@@ -4636,15 +4676,15 @@
             <p:nvPr/>
           </p:nvCxnSpPr>
           <p:spPr>
-            <a:xfrm>
-              <a:off x="850320" y="4014000"/>
-              <a:ext cx="98640" cy="360"/>
+            <a:xfrm rot="10800000">
+              <a:off x="849600" y="4013640"/>
+              <a:ext cx="99000" cy="360"/>
             </a:xfrm>
             <a:prstGeom prst="bentConnector5">
               <a:avLst>
-                <a:gd name="adj1" fmla="val -182783"/>
-                <a:gd name="adj2" fmla="val 24900000"/>
-                <a:gd name="adj3" fmla="val 282783"/>
+                <a:gd name="adj1" fmla="val 282116"/>
+                <a:gd name="adj2" fmla="val 25000000"/>
+                <a:gd name="adj3" fmla="val -183576"/>
               </a:avLst>
             </a:prstGeom>
             <a:ln w="18000">
@@ -4665,15 +4705,15 @@
             <p:nvPr/>
           </p:nvCxnSpPr>
           <p:spPr>
-            <a:xfrm>
-              <a:off x="850320" y="4230000"/>
-              <a:ext cx="98640" cy="360"/>
+            <a:xfrm rot="10800000">
+              <a:off x="849600" y="4229640"/>
+              <a:ext cx="99000" cy="360"/>
             </a:xfrm>
             <a:prstGeom prst="bentConnector5">
               <a:avLst>
-                <a:gd name="adj1" fmla="val -182783"/>
-                <a:gd name="adj2" fmla="val 24900000"/>
-                <a:gd name="adj3" fmla="val 282783"/>
+                <a:gd name="adj1" fmla="val 282116"/>
+                <a:gd name="adj2" fmla="val 25000000"/>
+                <a:gd name="adj3" fmla="val -183576"/>
               </a:avLst>
             </a:prstGeom>
             <a:ln w="18000">
@@ -4695,8 +4735,8 @@
           </p:nvCxnSpPr>
           <p:spPr>
             <a:xfrm>
-              <a:off x="625680" y="4446000"/>
-              <a:ext cx="548640" cy="360"/>
+              <a:off x="625320" y="4445640"/>
+              <a:ext cx="549000" cy="360"/>
             </a:xfrm>
             <a:prstGeom prst="bentConnector2">
               <a:avLst/>
@@ -4720,8 +4760,8 @@
           </p:nvCxnSpPr>
           <p:spPr>
             <a:xfrm>
-              <a:off x="539640" y="4662000"/>
-              <a:ext cx="720720" cy="360"/>
+              <a:off x="539280" y="4661640"/>
+              <a:ext cx="721080" cy="360"/>
             </a:xfrm>
             <a:prstGeom prst="bentConnector2">
               <a:avLst/>
@@ -4745,8 +4785,8 @@
           </p:nvCxnSpPr>
           <p:spPr>
             <a:xfrm>
-              <a:off x="625680" y="4878000"/>
-              <a:ext cx="548640" cy="360"/>
+              <a:off x="625320" y="4877640"/>
+              <a:ext cx="549000" cy="360"/>
             </a:xfrm>
             <a:prstGeom prst="bentConnector2">
               <a:avLst/>
@@ -4770,8 +4810,8 @@
           </p:nvCxnSpPr>
           <p:spPr>
             <a:xfrm>
-              <a:off x="850680" y="5094000"/>
-              <a:ext cx="98640" cy="360"/>
+              <a:off x="850320" y="5093640"/>
+              <a:ext cx="99000" cy="360"/>
             </a:xfrm>
             <a:prstGeom prst="bentConnector2">
               <a:avLst/>
@@ -4795,8 +4835,8 @@
           </p:nvCxnSpPr>
           <p:spPr>
             <a:xfrm>
-              <a:off x="850680" y="5310000"/>
-              <a:ext cx="98640" cy="360"/>
+              <a:off x="850320" y="5309640"/>
+              <a:ext cx="99000" cy="360"/>
             </a:xfrm>
             <a:prstGeom prst="bentConnector2">
               <a:avLst/>
@@ -4819,15 +4859,15 @@
             <p:nvPr/>
           </p:nvCxnSpPr>
           <p:spPr>
-            <a:xfrm>
-              <a:off x="625320" y="5526000"/>
-              <a:ext cx="548640" cy="360"/>
+            <a:xfrm rot="10800000">
+              <a:off x="624600" y="5525640"/>
+              <a:ext cx="549000" cy="360"/>
             </a:xfrm>
             <a:prstGeom prst="bentConnector5">
               <a:avLst>
-                <a:gd name="adj1" fmla="val -32764"/>
-                <a:gd name="adj2" fmla="val 24900000"/>
-                <a:gd name="adj3" fmla="val 132764"/>
+                <a:gd name="adj1" fmla="val 132611"/>
+                <a:gd name="adj2" fmla="val 25000000"/>
+                <a:gd name="adj3" fmla="val -32874"/>
               </a:avLst>
             </a:prstGeom>
             <a:ln w="18000">
@@ -4848,15 +4888,15 @@
             <p:nvPr/>
           </p:nvCxnSpPr>
           <p:spPr>
-            <a:xfrm>
-              <a:off x="539280" y="5742000"/>
-              <a:ext cx="720720" cy="360"/>
+            <a:xfrm rot="10800000">
+              <a:off x="538560" y="5741640"/>
+              <a:ext cx="721080" cy="360"/>
             </a:xfrm>
             <a:prstGeom prst="bentConnector5">
               <a:avLst>
-                <a:gd name="adj1" fmla="val -24937"/>
-                <a:gd name="adj2" fmla="val 24900000"/>
-                <a:gd name="adj3" fmla="val 124937"/>
+                <a:gd name="adj1" fmla="val 124825"/>
+                <a:gd name="adj2" fmla="val 25000000"/>
+                <a:gd name="adj3" fmla="val -25024"/>
               </a:avLst>
             </a:prstGeom>
             <a:ln w="18000">
@@ -4876,7 +4916,7 @@
           <p:spPr>
             <a:xfrm>
               <a:off x="446040" y="36000"/>
-              <a:ext cx="179640" cy="179640"/>
+              <a:ext cx="179280" cy="179280"/>
             </a:xfrm>
             <a:prstGeom prst="ellipse">
               <a:avLst/>
@@ -4928,7 +4968,7 @@
           <p:spPr>
             <a:xfrm>
               <a:off x="1173960" y="36000"/>
-              <a:ext cx="179640" cy="179640"/>
+              <a:ext cx="179280" cy="179280"/>
             </a:xfrm>
             <a:prstGeom prst="ellipse">
               <a:avLst/>
@@ -4980,7 +5020,7 @@
           <p:spPr>
             <a:xfrm>
               <a:off x="360000" y="252000"/>
-              <a:ext cx="179640" cy="179640"/>
+              <a:ext cx="179280" cy="179280"/>
             </a:xfrm>
             <a:prstGeom prst="ellipse">
               <a:avLst/>
@@ -5032,7 +5072,7 @@
           <p:spPr>
             <a:xfrm>
               <a:off x="1260000" y="252000"/>
-              <a:ext cx="179640" cy="179640"/>
+              <a:ext cx="179280" cy="179280"/>
             </a:xfrm>
             <a:prstGeom prst="ellipse">
               <a:avLst/>
@@ -5084,7 +5124,7 @@
           <p:spPr>
             <a:xfrm>
               <a:off x="446040" y="468000"/>
-              <a:ext cx="179640" cy="179640"/>
+              <a:ext cx="179280" cy="179280"/>
             </a:xfrm>
             <a:prstGeom prst="ellipse">
               <a:avLst/>
@@ -5136,7 +5176,7 @@
           <p:spPr>
             <a:xfrm>
               <a:off x="1173960" y="468000"/>
-              <a:ext cx="179640" cy="179640"/>
+              <a:ext cx="179280" cy="179280"/>
             </a:xfrm>
             <a:prstGeom prst="ellipse">
               <a:avLst/>
@@ -5188,7 +5228,7 @@
           <p:spPr>
             <a:xfrm>
               <a:off x="671040" y="684000"/>
-              <a:ext cx="179640" cy="179640"/>
+              <a:ext cx="179280" cy="179280"/>
             </a:xfrm>
             <a:prstGeom prst="ellipse">
               <a:avLst/>
@@ -5240,7 +5280,7 @@
           <p:spPr>
             <a:xfrm>
               <a:off x="948960" y="684000"/>
-              <a:ext cx="179640" cy="179640"/>
+              <a:ext cx="179280" cy="179280"/>
             </a:xfrm>
             <a:prstGeom prst="ellipse">
               <a:avLst/>
@@ -5292,7 +5332,7 @@
           <p:spPr>
             <a:xfrm>
               <a:off x="948960" y="900000"/>
-              <a:ext cx="179640" cy="179640"/>
+              <a:ext cx="179280" cy="179280"/>
             </a:xfrm>
             <a:prstGeom prst="ellipse">
               <a:avLst/>
@@ -5344,7 +5384,7 @@
           <p:spPr>
             <a:xfrm>
               <a:off x="671040" y="900000"/>
-              <a:ext cx="179640" cy="179640"/>
+              <a:ext cx="179280" cy="179280"/>
             </a:xfrm>
             <a:prstGeom prst="ellipse">
               <a:avLst/>
@@ -5396,7 +5436,7 @@
           <p:spPr>
             <a:xfrm flipH="1">
               <a:off x="1173240" y="1116000"/>
-              <a:ext cx="179640" cy="179640"/>
+              <a:ext cx="179280" cy="179280"/>
             </a:xfrm>
             <a:prstGeom prst="ellipse">
               <a:avLst/>
@@ -5448,7 +5488,7 @@
           <p:spPr>
             <a:xfrm flipH="1">
               <a:off x="445320" y="1116000"/>
-              <a:ext cx="179640" cy="179640"/>
+              <a:ext cx="179280" cy="179280"/>
             </a:xfrm>
             <a:prstGeom prst="ellipse">
               <a:avLst/>
@@ -5500,7 +5540,7 @@
           <p:spPr>
             <a:xfrm flipH="1">
               <a:off x="1259280" y="1332000"/>
-              <a:ext cx="179640" cy="179640"/>
+              <a:ext cx="179280" cy="179280"/>
             </a:xfrm>
             <a:prstGeom prst="ellipse">
               <a:avLst/>
@@ -5552,7 +5592,7 @@
           <p:spPr>
             <a:xfrm flipH="1">
               <a:off x="359280" y="1332000"/>
-              <a:ext cx="179640" cy="179640"/>
+              <a:ext cx="179280" cy="179280"/>
             </a:xfrm>
             <a:prstGeom prst="ellipse">
               <a:avLst/>
@@ -5604,7 +5644,7 @@
           <p:spPr>
             <a:xfrm flipH="1">
               <a:off x="1173240" y="1548000"/>
-              <a:ext cx="179640" cy="179640"/>
+              <a:ext cx="179280" cy="179280"/>
             </a:xfrm>
             <a:prstGeom prst="ellipse">
               <a:avLst/>
@@ -5656,7 +5696,7 @@
           <p:spPr>
             <a:xfrm flipH="1">
               <a:off x="445320" y="1548000"/>
-              <a:ext cx="179640" cy="179640"/>
+              <a:ext cx="179280" cy="179280"/>
             </a:xfrm>
             <a:prstGeom prst="ellipse">
               <a:avLst/>
@@ -5708,7 +5748,7 @@
           <p:spPr>
             <a:xfrm flipH="1">
               <a:off x="948240" y="1764000"/>
-              <a:ext cx="179640" cy="179640"/>
+              <a:ext cx="179280" cy="179280"/>
             </a:xfrm>
             <a:prstGeom prst="ellipse">
               <a:avLst/>
@@ -5760,7 +5800,7 @@
           <p:spPr>
             <a:xfrm flipH="1">
               <a:off x="670320" y="1764000"/>
-              <a:ext cx="179640" cy="179640"/>
+              <a:ext cx="179280" cy="179280"/>
             </a:xfrm>
             <a:prstGeom prst="ellipse">
               <a:avLst/>
@@ -5812,7 +5852,7 @@
           <p:spPr>
             <a:xfrm flipH="1">
               <a:off x="670320" y="1980000"/>
-              <a:ext cx="179640" cy="179640"/>
+              <a:ext cx="179280" cy="179280"/>
             </a:xfrm>
             <a:prstGeom prst="ellipse">
               <a:avLst/>
@@ -5864,7 +5904,7 @@
           <p:spPr>
             <a:xfrm flipH="1">
               <a:off x="948240" y="1980000"/>
-              <a:ext cx="179640" cy="179640"/>
+              <a:ext cx="179280" cy="179280"/>
             </a:xfrm>
             <a:prstGeom prst="ellipse">
               <a:avLst/>
@@ -5916,7 +5956,7 @@
           <p:spPr>
             <a:xfrm>
               <a:off x="446040" y="2196000"/>
-              <a:ext cx="179640" cy="179640"/>
+              <a:ext cx="179280" cy="179280"/>
             </a:xfrm>
             <a:prstGeom prst="ellipse">
               <a:avLst/>
@@ -5968,7 +6008,7 @@
           <p:spPr>
             <a:xfrm>
               <a:off x="1173960" y="2196000"/>
-              <a:ext cx="179640" cy="179640"/>
+              <a:ext cx="179280" cy="179280"/>
             </a:xfrm>
             <a:prstGeom prst="ellipse">
               <a:avLst/>
@@ -6020,7 +6060,7 @@
           <p:spPr>
             <a:xfrm>
               <a:off x="360000" y="2412000"/>
-              <a:ext cx="179640" cy="179640"/>
+              <a:ext cx="179280" cy="179280"/>
             </a:xfrm>
             <a:prstGeom prst="ellipse">
               <a:avLst/>
@@ -6072,7 +6112,7 @@
           <p:spPr>
             <a:xfrm>
               <a:off x="1260000" y="2412000"/>
-              <a:ext cx="179640" cy="179640"/>
+              <a:ext cx="179280" cy="179280"/>
             </a:xfrm>
             <a:prstGeom prst="ellipse">
               <a:avLst/>
@@ -6124,7 +6164,7 @@
           <p:spPr>
             <a:xfrm>
               <a:off x="446040" y="2628000"/>
-              <a:ext cx="179640" cy="179640"/>
+              <a:ext cx="179280" cy="179280"/>
             </a:xfrm>
             <a:prstGeom prst="ellipse">
               <a:avLst/>
@@ -6176,7 +6216,7 @@
           <p:spPr>
             <a:xfrm>
               <a:off x="1173960" y="2628000"/>
-              <a:ext cx="179640" cy="179640"/>
+              <a:ext cx="179280" cy="179280"/>
             </a:xfrm>
             <a:prstGeom prst="ellipse">
               <a:avLst/>
@@ -6228,7 +6268,7 @@
           <p:spPr>
             <a:xfrm>
               <a:off x="671040" y="2844000"/>
-              <a:ext cx="179640" cy="179640"/>
+              <a:ext cx="179280" cy="179280"/>
             </a:xfrm>
             <a:prstGeom prst="ellipse">
               <a:avLst/>
@@ -6280,7 +6320,7 @@
           <p:spPr>
             <a:xfrm>
               <a:off x="948960" y="2844000"/>
-              <a:ext cx="179640" cy="179640"/>
+              <a:ext cx="179280" cy="179280"/>
             </a:xfrm>
             <a:prstGeom prst="ellipse">
               <a:avLst/>
@@ -6332,7 +6372,7 @@
           <p:spPr>
             <a:xfrm>
               <a:off x="948960" y="3060000"/>
-              <a:ext cx="179640" cy="179640"/>
+              <a:ext cx="179280" cy="179280"/>
             </a:xfrm>
             <a:prstGeom prst="ellipse">
               <a:avLst/>
@@ -6384,7 +6424,7 @@
           <p:spPr>
             <a:xfrm>
               <a:off x="671040" y="3060000"/>
-              <a:ext cx="179640" cy="179640"/>
+              <a:ext cx="179280" cy="179280"/>
             </a:xfrm>
             <a:prstGeom prst="ellipse">
               <a:avLst/>
@@ -6436,7 +6476,7 @@
           <p:spPr>
             <a:xfrm flipH="1">
               <a:off x="1173240" y="3276000"/>
-              <a:ext cx="179640" cy="179640"/>
+              <a:ext cx="179280" cy="179280"/>
             </a:xfrm>
             <a:prstGeom prst="ellipse">
               <a:avLst/>
@@ -6488,7 +6528,7 @@
           <p:spPr>
             <a:xfrm flipH="1">
               <a:off x="445320" y="3276000"/>
-              <a:ext cx="179640" cy="179640"/>
+              <a:ext cx="179280" cy="179280"/>
             </a:xfrm>
             <a:prstGeom prst="ellipse">
               <a:avLst/>
@@ -6540,7 +6580,7 @@
           <p:spPr>
             <a:xfrm flipH="1">
               <a:off x="1259280" y="3492000"/>
-              <a:ext cx="179640" cy="179640"/>
+              <a:ext cx="179280" cy="179280"/>
             </a:xfrm>
             <a:prstGeom prst="ellipse">
               <a:avLst/>
@@ -6592,7 +6632,7 @@
           <p:spPr>
             <a:xfrm flipH="1">
               <a:off x="359280" y="3492000"/>
-              <a:ext cx="179640" cy="179640"/>
+              <a:ext cx="179280" cy="179280"/>
             </a:xfrm>
             <a:prstGeom prst="ellipse">
               <a:avLst/>
@@ -6644,7 +6684,7 @@
           <p:spPr>
             <a:xfrm flipH="1">
               <a:off x="1173240" y="3708000"/>
-              <a:ext cx="179640" cy="179640"/>
+              <a:ext cx="179280" cy="179280"/>
             </a:xfrm>
             <a:prstGeom prst="ellipse">
               <a:avLst/>
@@ -6696,7 +6736,7 @@
           <p:spPr>
             <a:xfrm flipH="1">
               <a:off x="445320" y="3708000"/>
-              <a:ext cx="179640" cy="179640"/>
+              <a:ext cx="179280" cy="179280"/>
             </a:xfrm>
             <a:prstGeom prst="ellipse">
               <a:avLst/>
@@ -6748,7 +6788,7 @@
           <p:spPr>
             <a:xfrm flipH="1">
               <a:off x="948240" y="3924000"/>
-              <a:ext cx="179640" cy="179640"/>
+              <a:ext cx="179280" cy="179280"/>
             </a:xfrm>
             <a:prstGeom prst="ellipse">
               <a:avLst/>
@@ -6800,7 +6840,7 @@
           <p:spPr>
             <a:xfrm flipH="1">
               <a:off x="670320" y="3924000"/>
-              <a:ext cx="179640" cy="179640"/>
+              <a:ext cx="179280" cy="179280"/>
             </a:xfrm>
             <a:prstGeom prst="ellipse">
               <a:avLst/>
@@ -6852,7 +6892,7 @@
           <p:spPr>
             <a:xfrm flipH="1">
               <a:off x="670320" y="4140000"/>
-              <a:ext cx="179640" cy="179640"/>
+              <a:ext cx="179280" cy="179280"/>
             </a:xfrm>
             <a:prstGeom prst="ellipse">
               <a:avLst/>
@@ -6904,7 +6944,7 @@
           <p:spPr>
             <a:xfrm flipH="1">
               <a:off x="948240" y="4140000"/>
-              <a:ext cx="179640" cy="179640"/>
+              <a:ext cx="179280" cy="179280"/>
             </a:xfrm>
             <a:prstGeom prst="ellipse">
               <a:avLst/>
@@ -6956,7 +6996,7 @@
           <p:spPr>
             <a:xfrm>
               <a:off x="446040" y="4356000"/>
-              <a:ext cx="179640" cy="179640"/>
+              <a:ext cx="179280" cy="179280"/>
             </a:xfrm>
             <a:prstGeom prst="ellipse">
               <a:avLst/>
@@ -7008,7 +7048,7 @@
           <p:spPr>
             <a:xfrm>
               <a:off x="1173960" y="4356000"/>
-              <a:ext cx="179640" cy="179640"/>
+              <a:ext cx="179280" cy="179280"/>
             </a:xfrm>
             <a:prstGeom prst="ellipse">
               <a:avLst/>
@@ -7060,7 +7100,7 @@
           <p:spPr>
             <a:xfrm>
               <a:off x="360000" y="4572000"/>
-              <a:ext cx="179640" cy="179640"/>
+              <a:ext cx="179280" cy="179280"/>
             </a:xfrm>
             <a:prstGeom prst="ellipse">
               <a:avLst/>
@@ -7112,7 +7152,7 @@
           <p:spPr>
             <a:xfrm>
               <a:off x="1260000" y="4572000"/>
-              <a:ext cx="179640" cy="179640"/>
+              <a:ext cx="179280" cy="179280"/>
             </a:xfrm>
             <a:prstGeom prst="ellipse">
               <a:avLst/>
@@ -7164,7 +7204,7 @@
           <p:spPr>
             <a:xfrm>
               <a:off x="446040" y="4788000"/>
-              <a:ext cx="179640" cy="179640"/>
+              <a:ext cx="179280" cy="179280"/>
             </a:xfrm>
             <a:prstGeom prst="ellipse">
               <a:avLst/>
@@ -7216,7 +7256,7 @@
           <p:spPr>
             <a:xfrm>
               <a:off x="1173960" y="4788000"/>
-              <a:ext cx="179640" cy="179640"/>
+              <a:ext cx="179280" cy="179280"/>
             </a:xfrm>
             <a:prstGeom prst="ellipse">
               <a:avLst/>
@@ -7268,7 +7308,7 @@
           <p:spPr>
             <a:xfrm>
               <a:off x="671040" y="5004000"/>
-              <a:ext cx="179640" cy="179640"/>
+              <a:ext cx="179280" cy="179280"/>
             </a:xfrm>
             <a:prstGeom prst="ellipse">
               <a:avLst/>
@@ -7320,7 +7360,7 @@
           <p:spPr>
             <a:xfrm>
               <a:off x="948960" y="5004000"/>
-              <a:ext cx="179640" cy="179640"/>
+              <a:ext cx="179280" cy="179280"/>
             </a:xfrm>
             <a:prstGeom prst="ellipse">
               <a:avLst/>
@@ -7372,7 +7412,7 @@
           <p:spPr>
             <a:xfrm>
               <a:off x="948960" y="5220000"/>
-              <a:ext cx="179640" cy="179640"/>
+              <a:ext cx="179280" cy="179280"/>
             </a:xfrm>
             <a:prstGeom prst="ellipse">
               <a:avLst/>
@@ -7424,7 +7464,7 @@
           <p:spPr>
             <a:xfrm>
               <a:off x="671040" y="5220000"/>
-              <a:ext cx="179640" cy="179640"/>
+              <a:ext cx="179280" cy="179280"/>
             </a:xfrm>
             <a:prstGeom prst="ellipse">
               <a:avLst/>
@@ -7476,7 +7516,7 @@
           <p:spPr>
             <a:xfrm flipH="1">
               <a:off x="1173240" y="5436000"/>
-              <a:ext cx="179640" cy="179640"/>
+              <a:ext cx="179280" cy="179280"/>
             </a:xfrm>
             <a:prstGeom prst="ellipse">
               <a:avLst/>
@@ -7528,7 +7568,7 @@
           <p:spPr>
             <a:xfrm flipH="1">
               <a:off x="445320" y="5436000"/>
-              <a:ext cx="179640" cy="179640"/>
+              <a:ext cx="179280" cy="179280"/>
             </a:xfrm>
             <a:prstGeom prst="ellipse">
               <a:avLst/>
@@ -7580,7 +7620,7 @@
           <p:spPr>
             <a:xfrm flipH="1">
               <a:off x="1259280" y="5652000"/>
-              <a:ext cx="179640" cy="179640"/>
+              <a:ext cx="179280" cy="179280"/>
             </a:xfrm>
             <a:prstGeom prst="ellipse">
               <a:avLst/>
@@ -7632,7 +7672,7 @@
           <p:spPr>
             <a:xfrm flipH="1">
               <a:off x="359280" y="5652000"/>
-              <a:ext cx="179640" cy="179640"/>
+              <a:ext cx="179280" cy="179280"/>
             </a:xfrm>
             <a:prstGeom prst="ellipse">
               <a:avLst/>
@@ -7689,7 +7729,7 @@
         <p:spPr>
           <a:xfrm>
             <a:off x="1620000" y="216000"/>
-            <a:ext cx="8099640" cy="935640"/>
+            <a:ext cx="8099280" cy="935280"/>
           </a:xfrm>
           <a:prstGeom prst="rect">
             <a:avLst/>
@@ -7705,7 +7745,13 @@
           </a:bodyPr>
           <a:p>
             <a:pPr indent="0">
+              <a:lnSpc>
+                <a:spcPct val="100000"/>
+              </a:lnSpc>
               <a:buNone/>
+              <a:tabLst>
+                <a:tab algn="l" pos="0"/>
+              </a:tabLst>
             </a:pPr>
             <a:r>
               <a:rPr b="0" lang="en-US" sz="1800" strike="noStrike" u="none">
@@ -7742,7 +7788,7 @@
         <p:spPr>
           <a:xfrm>
             <a:off x="3987000" y="5164920"/>
-            <a:ext cx="3194640" cy="390240"/>
+            <a:ext cx="3194280" cy="389880"/>
           </a:xfrm>
           <a:prstGeom prst="rect">
             <a:avLst/>
@@ -7820,7 +7866,7 @@
         <p:spPr>
           <a:xfrm>
             <a:off x="7227000" y="5164920"/>
-            <a:ext cx="2347920" cy="390240"/>
+            <a:ext cx="2347560" cy="389880"/>
           </a:xfrm>
           <a:prstGeom prst="rect">
             <a:avLst/>
@@ -7863,7 +7909,7 @@
                 <a:tab algn="l" pos="0"/>
               </a:tabLst>
             </a:pPr>
-            <a:fld id="{FA91873D-6B2C-4D47-A056-8F4ACA98E9C6}" type="slidenum">
+            <a:fld id="{C36A148B-C5E7-4E94-8D20-C07E8FE0E154}" type="slidenum">
               <a:rPr b="0" lang="en-US" sz="1400" strike="noStrike" u="none">
                 <a:solidFill>
                   <a:srgbClr val="000000"/>
@@ -7898,7 +7944,7 @@
         <p:spPr>
           <a:xfrm>
             <a:off x="1584000" y="5164920"/>
-            <a:ext cx="2347920" cy="390240"/>
+            <a:ext cx="2347560" cy="389880"/>
           </a:xfrm>
           <a:prstGeom prst="rect">
             <a:avLst/>
@@ -7914,7 +7960,13 @@
           </a:bodyPr>
           <a:lstStyle>
             <a:lvl1pPr indent="0">
+              <a:lnSpc>
+                <a:spcPct val="100000"/>
+              </a:lnSpc>
               <a:buNone/>
+              <a:tabLst>
+                <a:tab algn="l" pos="0"/>
+              </a:tabLst>
               <a:defRPr b="0" lang="en-US" sz="1400" strike="noStrike" u="none">
                 <a:solidFill>
                   <a:srgbClr val="000000"/>
@@ -7927,7 +7979,13 @@
           </a:lstStyle>
           <a:p>
             <a:pPr indent="0">
+              <a:lnSpc>
+                <a:spcPct val="100000"/>
+              </a:lnSpc>
               <a:buNone/>
+              <a:tabLst>
+                <a:tab algn="l" pos="0"/>
+              </a:tabLst>
             </a:pPr>
             <a:r>
               <a:rPr b="0" lang="en-US" sz="1400" strike="noStrike" u="none">
@@ -7964,7 +8022,7 @@
         <p:spPr>
           <a:xfrm>
             <a:off x="504000" y="1326600"/>
-            <a:ext cx="9072000" cy="3288600"/>
+            <a:ext cx="9071640" cy="3288240"/>
           </a:xfrm>
           <a:prstGeom prst="rect">
             <a:avLst/>
@@ -7980,6 +8038,9 @@
           </a:bodyPr>
           <a:p>
             <a:pPr marL="432000" indent="-324000">
+              <a:lnSpc>
+                <a:spcPct val="100000"/>
+              </a:lnSpc>
               <a:spcBef>
                 <a:spcPts val="1417"/>
               </a:spcBef>
@@ -8012,6 +8073,9 @@
           </a:p>
           <a:p>
             <a:pPr lvl="1" marL="864000" indent="-324000">
+              <a:lnSpc>
+                <a:spcPct val="100000"/>
+              </a:lnSpc>
               <a:spcBef>
                 <a:spcPts val="1134"/>
               </a:spcBef>
@@ -8044,6 +8108,9 @@
           </a:p>
           <a:p>
             <a:pPr lvl="2" marL="1296000" indent="-288000">
+              <a:lnSpc>
+                <a:spcPct val="100000"/>
+              </a:lnSpc>
               <a:spcBef>
                 <a:spcPts val="850"/>
               </a:spcBef>
@@ -8076,6 +8143,9 @@
           </a:p>
           <a:p>
             <a:pPr lvl="3" marL="1728000" indent="-216000">
+              <a:lnSpc>
+                <a:spcPct val="100000"/>
+              </a:lnSpc>
               <a:spcBef>
                 <a:spcPts val="567"/>
               </a:spcBef>
@@ -8108,6 +8178,9 @@
           </a:p>
           <a:p>
             <a:pPr lvl="4" marL="2160000" indent="-216000">
+              <a:lnSpc>
+                <a:spcPct val="100000"/>
+              </a:lnSpc>
               <a:spcBef>
                 <a:spcPts val="283"/>
               </a:spcBef>
@@ -8140,6 +8213,9 @@
           </a:p>
           <a:p>
             <a:pPr lvl="5" marL="2592000" indent="-216000">
+              <a:lnSpc>
+                <a:spcPct val="100000"/>
+              </a:lnSpc>
               <a:spcBef>
                 <a:spcPts val="283"/>
               </a:spcBef>
@@ -8172,6 +8248,9 @@
           </a:p>
           <a:p>
             <a:pPr lvl="6" marL="3024000" indent="-216000">
+              <a:lnSpc>
+                <a:spcPct val="100000"/>
+              </a:lnSpc>
               <a:spcBef>
                 <a:spcPts val="283"/>
               </a:spcBef>
@@ -8266,7 +8345,7 @@
         <p:spPr>
           <a:xfrm>
             <a:off x="1620000" y="216000"/>
-            <a:ext cx="8099640" cy="935640"/>
+            <a:ext cx="8099280" cy="935280"/>
           </a:xfrm>
           <a:prstGeom prst="rect">
             <a:avLst/>
@@ -8324,8 +8403,8 @@
         </p:nvSpPr>
         <p:spPr>
           <a:xfrm>
-            <a:off x="1620000" y="1367640"/>
-            <a:ext cx="8099640" cy="3288600"/>
+            <a:off x="1620000" y="1367280"/>
+            <a:ext cx="8099280" cy="3288960"/>
           </a:xfrm>
           <a:prstGeom prst="rect">
             <a:avLst/>
@@ -8476,7 +8555,7 @@
         <p:txBody>
           <a:bodyPr/>
           <a:p>
-            <a:fld id="{BA2DB76A-113C-42E6-B52F-96E0FD5BF4AD}" type="slidenum">
+            <a:fld id="{C24BB815-85AF-449C-BE94-9C1A235FAED0}" type="slidenum">
               <a:t>1</a:t>
             </a:fld>
           </a:p>
@@ -8525,7 +8604,7 @@
         <p:spPr>
           <a:xfrm>
             <a:off x="1620000" y="216000"/>
-            <a:ext cx="8099640" cy="935640"/>
+            <a:ext cx="8099280" cy="935280"/>
           </a:xfrm>
           <a:prstGeom prst="rect">
             <a:avLst/>
@@ -8584,7 +8663,7 @@
         <p:spPr>
           <a:xfrm>
             <a:off x="1620000" y="1368000"/>
-            <a:ext cx="8099640" cy="460440"/>
+            <a:ext cx="8099280" cy="460080"/>
           </a:xfrm>
           <a:prstGeom prst="rect">
             <a:avLst/>
@@ -8644,7 +8723,7 @@
         <p:spPr>
           <a:xfrm>
             <a:off x="1501200" y="2264400"/>
-            <a:ext cx="8099640" cy="935640"/>
+            <a:ext cx="8099280" cy="935280"/>
           </a:xfrm>
           <a:prstGeom prst="rect">
             <a:avLst/>
@@ -8678,6 +8757,7 @@
                 <a:effectLst/>
                 <a:uFillTx/>
                 <a:latin typeface="Times New Roman"/>
+                <a:ea typeface="DejaVu Sans"/>
               </a:rPr>
               <a:t>Impact</a:t>
             </a:r>
@@ -8701,7 +8781,7 @@
         <p:spPr>
           <a:xfrm>
             <a:off x="1600200" y="3654000"/>
-            <a:ext cx="8099640" cy="460440"/>
+            <a:ext cx="8099280" cy="460080"/>
           </a:xfrm>
           <a:prstGeom prst="rect">
             <a:avLst/>
@@ -8744,6 +8824,7 @@
                 <a:effectLst/>
                 <a:uFillTx/>
                 <a:latin typeface="Times New Roman"/>
+                <a:ea typeface="DejaVu Sans"/>
               </a:rPr>
               <a:t>If attacker intercepts traffic, they can steal user credentials</a:t>
             </a:r>
@@ -8772,7 +8853,7 @@
         <p:txBody>
           <a:bodyPr/>
           <a:p>
-            <a:fld id="{C5BF4F28-02DC-4662-B319-0DD8950979B9}" type="slidenum">
+            <a:fld id="{FDA69C6D-16A2-485F-B0AF-AEEFEAE8EE6B}" type="slidenum">
               <a:t>2</a:t>
             </a:fld>
           </a:p>
@@ -8821,7 +8902,7 @@
         <p:spPr>
           <a:xfrm>
             <a:off x="1620000" y="216000"/>
-            <a:ext cx="8099640" cy="935640"/>
+            <a:ext cx="8099280" cy="935280"/>
           </a:xfrm>
           <a:prstGeom prst="rect">
             <a:avLst/>
@@ -8880,7 +8961,7 @@
         <p:spPr>
           <a:xfrm>
             <a:off x="1620000" y="1368000"/>
-            <a:ext cx="8099640" cy="3287880"/>
+            <a:ext cx="8099280" cy="3287520"/>
           </a:xfrm>
           <a:prstGeom prst="rect">
             <a:avLst/>
@@ -8968,7 +9049,7 @@
         <p:txBody>
           <a:bodyPr/>
           <a:p>
-            <a:fld id="{ABC09562-627C-453B-B695-1F2168A1BB6C}" type="slidenum">
+            <a:fld id="{685A1789-EEF7-4025-AB04-CC5D363F2038}" type="slidenum">
               <a:t>3</a:t>
             </a:fld>
           </a:p>
@@ -9017,7 +9098,7 @@
         <p:spPr>
           <a:xfrm>
             <a:off x="1620000" y="216000"/>
-            <a:ext cx="8099640" cy="935640"/>
+            <a:ext cx="8099280" cy="935280"/>
           </a:xfrm>
           <a:prstGeom prst="rect">
             <a:avLst/>
@@ -9076,7 +9157,7 @@
         <p:spPr>
           <a:xfrm>
             <a:off x="1620000" y="1368000"/>
-            <a:ext cx="8099640" cy="3287880"/>
+            <a:ext cx="8099280" cy="3287520"/>
           </a:xfrm>
           <a:prstGeom prst="rect">
             <a:avLst/>
@@ -9281,7 +9362,7 @@
         <p:txBody>
           <a:bodyPr/>
           <a:p>
-            <a:fld id="{12D68E82-A7C2-474A-AA4B-5109998EA180}" type="slidenum">
+            <a:fld id="{B5B1E59B-316A-4FF4-A664-C6BAD39FC1BC}" type="slidenum">
               <a:t>4</a:t>
             </a:fld>
           </a:p>
@@ -9330,7 +9411,7 @@
         <p:spPr>
           <a:xfrm>
             <a:off x="1620000" y="216000"/>
-            <a:ext cx="8099640" cy="935640"/>
+            <a:ext cx="8099280" cy="935280"/>
           </a:xfrm>
           <a:prstGeom prst="rect">
             <a:avLst/>
@@ -9389,7 +9470,7 @@
         <p:spPr>
           <a:xfrm>
             <a:off x="1828800" y="1151640"/>
-            <a:ext cx="7826400" cy="4163040"/>
+            <a:ext cx="7826040" cy="4162680"/>
           </a:xfrm>
           <a:prstGeom prst="rect">
             <a:avLst/>
@@ -9414,7 +9495,7 @@
         <p:txBody>
           <a:bodyPr/>
           <a:p>
-            <a:fld id="{3B4530C1-8BA8-43C7-9C97-9C9D13859EDC}" type="slidenum">
+            <a:fld id="{D5C3628C-9305-4F72-A512-AA223EB8B541}" type="slidenum">
               <a:t>5</a:t>
             </a:fld>
           </a:p>
@@ -9463,7 +9544,171 @@
         <p:spPr>
           <a:xfrm>
             <a:off x="1620000" y="216000"/>
-            <a:ext cx="8099640" cy="935640"/>
+            <a:ext cx="8099280" cy="935280"/>
+          </a:xfrm>
+          <a:prstGeom prst="rect">
+            <a:avLst/>
+          </a:prstGeom>
+          <a:noFill/>
+          <a:ln w="0">
+            <a:noFill/>
+          </a:ln>
+        </p:spPr>
+        <p:txBody>
+          <a:bodyPr lIns="0" rIns="0" tIns="0" bIns="0" anchor="ctr">
+            <a:spAutoFit/>
+          </a:bodyPr>
+          <a:p>
+            <a:pPr indent="0" algn="ctr">
+              <a:buNone/>
+            </a:pPr>
+            <a:r>
+              <a:rPr b="0" lang="en-US" sz="4400" strike="noStrike" u="none">
+                <a:solidFill>
+                  <a:srgbClr val="000000"/>
+                </a:solidFill>
+                <a:effectLst/>
+                <a:uFillTx/>
+                <a:latin typeface="Arial"/>
+              </a:rPr>
+              <a:t>Video Demonstration</a:t>
+            </a:r>
+            <a:endParaRPr b="0" lang="en-US" sz="4400" strike="noStrike" u="none">
+              <a:solidFill>
+                <a:srgbClr val="000000"/>
+              </a:solidFill>
+              <a:effectLst/>
+              <a:uFillTx/>
+              <a:latin typeface="Arial"/>
+            </a:endParaRPr>
+          </a:p>
+        </p:txBody>
+      </p:sp>
+      <p:sp>
+        <p:nvSpPr>
+          <p:cNvPr id="189" name="PlaceHolder 2"/>
+          <p:cNvSpPr>
+            <a:spLocks noGrp="1"/>
+          </p:cNvSpPr>
+          <p:nvPr>
+            <p:ph/>
+          </p:nvPr>
+        </p:nvSpPr>
+        <p:spPr>
+          <a:xfrm>
+            <a:off x="1620000" y="1368000"/>
+            <a:ext cx="8099280" cy="3287520"/>
+          </a:xfrm>
+          <a:prstGeom prst="rect">
+            <a:avLst/>
+          </a:prstGeom>
+          <a:noFill/>
+          <a:ln w="0">
+            <a:noFill/>
+          </a:ln>
+        </p:spPr>
+        <p:txBody>
+          <a:bodyPr lIns="0" rIns="0" tIns="0" bIns="0" anchor="t">
+            <a:normAutofit/>
+          </a:bodyPr>
+          <a:p>
+            <a:pPr marL="432000" indent="-324000">
+              <a:spcBef>
+                <a:spcPts val="1417"/>
+              </a:spcBef>
+              <a:buClr>
+                <a:srgbClr val="000000"/>
+              </a:buClr>
+              <a:buSzPct val="45000"/>
+              <a:buFont typeface="Wingdings" charset="2"/>
+              <a:buChar char=""/>
+            </a:pPr>
+            <a:r>
+              <a:rPr b="0" lang="en-US" sz="3200" strike="noStrike" u="none">
+                <a:solidFill>
+                  <a:srgbClr val="000000"/>
+                </a:solidFill>
+                <a:effectLst/>
+                <a:uFillTx/>
+                <a:latin typeface="Arial"/>
+              </a:rPr>
+              <a:t>See video ./internship_proof_of_concept.mp4</a:t>
+            </a:r>
+            <a:endParaRPr b="0" lang="en-US" sz="3200" strike="noStrike" u="none">
+              <a:solidFill>
+                <a:srgbClr val="000000"/>
+              </a:solidFill>
+              <a:effectLst/>
+              <a:uFillTx/>
+              <a:latin typeface="Arial"/>
+            </a:endParaRPr>
+          </a:p>
+        </p:txBody>
+      </p:sp>
+      <p:sp>
+        <p:nvSpPr>
+          <p:cNvPr id="4" name="PlaceHolder 3"/>
+          <p:cNvSpPr>
+            <a:spLocks noGrp="1"/>
+          </p:cNvSpPr>
+          <p:nvPr>
+            <p:ph type="sldNum" idx="2"/>
+          </p:nvPr>
+        </p:nvSpPr>
+        <p:spPr/>
+        <p:txBody>
+          <a:bodyPr/>
+          <a:p>
+            <a:fld id="{55C03F27-DA89-4CFD-8B8E-56CC3DAB7975}" type="slidenum">
+              <a:t>6</a:t>
+            </a:fld>
+          </a:p>
+        </p:txBody>
+      </p:sp>
+    </p:spTree>
+  </p:cSld>
+  <mc:AlternateContent>
+    <mc:Choice Requires="p14">
+      <p:transition spd="slow" p14:dur="2000"/>
+    </mc:Choice>
+    <mc:Fallback>
+      <p:transition spd="slow"/>
+    </mc:Fallback>
+  </mc:AlternateContent>
+</p:sld>
+</file>
+
+<file path=ppt/slides/slide7.xml><?xml version="1.0" encoding="utf-8"?>
+<p:sld xmlns:a="http://schemas.openxmlformats.org/drawingml/2006/main" xmlns:p="http://schemas.openxmlformats.org/presentationml/2006/main" xmlns:r="http://schemas.openxmlformats.org/officeDocument/2006/relationships" xmlns:p14="http://schemas.microsoft.com/office/powerpoint/2010/main" xmlns:p15="http://schemas.microsoft.com/office/powerpoint/2012/main" xmlns:mc="http://schemas.openxmlformats.org/markup-compatibility/2006">
+  <p:cSld>
+    <p:spTree>
+      <p:nvGrpSpPr>
+        <p:cNvPr id="1" name=""/>
+        <p:cNvGrpSpPr/>
+        <p:nvPr/>
+      </p:nvGrpSpPr>
+      <p:grpSpPr>
+        <a:xfrm>
+          <a:off x="0" y="0"/>
+          <a:ext cx="0" cy="0"/>
+          <a:chOff x="0" y="0"/>
+          <a:chExt cx="0" cy="0"/>
+        </a:xfrm>
+      </p:grpSpPr>
+      <p:sp>
+        <p:nvSpPr>
+          <p:cNvPr id="190" name="PlaceHolder 1"/>
+          <p:cNvSpPr>
+            <a:spLocks noGrp="1"/>
+          </p:cNvSpPr>
+          <p:nvPr>
+            <p:ph type="title"/>
+          </p:nvPr>
+        </p:nvSpPr>
+        <p:spPr>
+          <a:xfrm>
+            <a:off x="1620000" y="216000"/>
+            <a:ext cx="8099280" cy="935280"/>
           </a:xfrm>
           <a:prstGeom prst="rect">
             <a:avLst/>
@@ -9511,7 +9756,7 @@
       </p:sp>
       <p:sp>
         <p:nvSpPr>
-          <p:cNvPr id="189" name="PlaceHolder 2"/>
+          <p:cNvPr id="191" name="PlaceHolder 2"/>
           <p:cNvSpPr>
             <a:spLocks noGrp="1"/>
           </p:cNvSpPr>
@@ -9522,7 +9767,7 @@
         <p:spPr>
           <a:xfrm>
             <a:off x="1620000" y="1368000"/>
-            <a:ext cx="8099640" cy="3287880"/>
+            <a:ext cx="8099280" cy="3287520"/>
           </a:xfrm>
           <a:prstGeom prst="rect">
             <a:avLst/>
@@ -9657,8 +9902,8 @@
         <p:txBody>
           <a:bodyPr/>
           <a:p>
-            <a:fld id="{DC7EBAD5-A256-47FA-AE4B-0380DE8066E1}" type="slidenum">
-              <a:t>6</a:t>
+            <a:fld id="{CCB3D680-CE00-4C4D-AFEA-70950202A49E}" type="slidenum">
+              <a:t>7</a:t>
             </a:fld>
           </a:p>
         </p:txBody>
